--- a/信用卡消費樣態.pptx
+++ b/信用卡消費樣態.pptx
@@ -3332,7 +3332,7 @@
           <a:effectLst/>
           <a:extLst>
             <a:ext uri="{91240B29-F687-4f45-9708-019B960494DF}">
-              <a14:hiddenLine xmlns:a14="http://schemas.microsoft.com/office/drawing/2010/main" xmlns="" w="9525">
+              <a14:hiddenLine xmlns="" xmlns:a14="http://schemas.microsoft.com/office/drawing/2010/main" w="9525">
                 <a:solidFill>
                   <a:srgbClr val="000000"/>
                 </a:solidFill>
@@ -3524,7 +3524,7 @@
           <a:p>
             <a:fld id="{ECDFED21-09AD-471B-8497-55B3AAD023D8}" type="datetimeFigureOut">
               <a:rPr lang="zh-TW" altLang="en-US" smtClean="0"/>
-              <a:t>2023/12/5</a:t>
+              <a:t>2023/12/7</a:t>
             </a:fld>
             <a:endParaRPr lang="zh-TW" altLang="en-US"/>
           </a:p>
@@ -3842,7 +3842,7 @@
           <a:p>
             <a:fld id="{ECDFED21-09AD-471B-8497-55B3AAD023D8}" type="datetimeFigureOut">
               <a:rPr lang="zh-TW" altLang="en-US" smtClean="0"/>
-              <a:t>2023/12/5</a:t>
+              <a:t>2023/12/7</a:t>
             </a:fld>
             <a:endParaRPr lang="zh-TW" altLang="en-US"/>
           </a:p>
@@ -4330,7 +4330,7 @@
           <a:p>
             <a:fld id="{ECDFED21-09AD-471B-8497-55B3AAD023D8}" type="datetimeFigureOut">
               <a:rPr lang="zh-TW" altLang="en-US" smtClean="0"/>
-              <a:t>2023/12/5</a:t>
+              <a:t>2023/12/7</a:t>
             </a:fld>
             <a:endParaRPr lang="zh-TW" altLang="en-US"/>
           </a:p>
@@ -4699,7 +4699,7 @@
           <a:p>
             <a:fld id="{ECDFED21-09AD-471B-8497-55B3AAD023D8}" type="datetimeFigureOut">
               <a:rPr lang="zh-TW" altLang="en-US" smtClean="0"/>
-              <a:t>2023/12/5</a:t>
+              <a:t>2023/12/7</a:t>
             </a:fld>
             <a:endParaRPr lang="zh-TW" altLang="en-US"/>
           </a:p>
@@ -4854,7 +4854,7 @@
           <a:ln/>
           <a:extLst>
             <a:ext uri="{91240B29-F687-4f45-9708-019B960494DF}">
-              <a14:hiddenLine xmlns:a14="http://schemas.microsoft.com/office/drawing/2010/main" xmlns="" w="9525">
+              <a14:hiddenLine xmlns="" xmlns:a14="http://schemas.microsoft.com/office/drawing/2010/main" w="9525">
                 <a:solidFill>
                   <a:srgbClr val="000000"/>
                 </a:solidFill>
@@ -4972,7 +4972,7 @@
           <a:p>
             <a:fld id="{ECDFED21-09AD-471B-8497-55B3AAD023D8}" type="datetimeFigureOut">
               <a:rPr lang="zh-TW" altLang="en-US" smtClean="0"/>
-              <a:t>2023/12/5</a:t>
+              <a:t>2023/12/7</a:t>
             </a:fld>
             <a:endParaRPr lang="zh-TW" altLang="en-US"/>
           </a:p>
@@ -5129,7 +5129,7 @@
           <a:ln/>
           <a:extLst>
             <a:ext uri="{91240B29-F687-4f45-9708-019B960494DF}">
-              <a14:hiddenLine xmlns:a14="http://schemas.microsoft.com/office/drawing/2010/main" xmlns="" w="9525">
+              <a14:hiddenLine xmlns="" xmlns:a14="http://schemas.microsoft.com/office/drawing/2010/main" w="9525">
                 <a:solidFill>
                   <a:srgbClr val="000000"/>
                 </a:solidFill>
@@ -5257,7 +5257,7 @@
           <a:p>
             <a:fld id="{ECDFED21-09AD-471B-8497-55B3AAD023D8}" type="datetimeFigureOut">
               <a:rPr lang="zh-TW" altLang="en-US" smtClean="0"/>
-              <a:t>2023/12/5</a:t>
+              <a:t>2023/12/7</a:t>
             </a:fld>
             <a:endParaRPr lang="zh-TW" altLang="en-US"/>
           </a:p>
@@ -5412,7 +5412,7 @@
           <a:ln/>
           <a:extLst>
             <a:ext uri="{91240B29-F687-4f45-9708-019B960494DF}">
-              <a14:hiddenLine xmlns:a14="http://schemas.microsoft.com/office/drawing/2010/main" xmlns="" w="9525">
+              <a14:hiddenLine xmlns="" xmlns:a14="http://schemas.microsoft.com/office/drawing/2010/main" w="9525">
                 <a:solidFill>
                   <a:srgbClr val="000000"/>
                 </a:solidFill>
@@ -5540,7 +5540,7 @@
           <a:p>
             <a:fld id="{ECDFED21-09AD-471B-8497-55B3AAD023D8}" type="datetimeFigureOut">
               <a:rPr lang="zh-TW" altLang="en-US" smtClean="0"/>
-              <a:t>2023/12/5</a:t>
+              <a:t>2023/12/7</a:t>
             </a:fld>
             <a:endParaRPr lang="zh-TW" altLang="en-US"/>
           </a:p>
@@ -5883,7 +5883,7 @@
           <a:p>
             <a:fld id="{ECDFED21-09AD-471B-8497-55B3AAD023D8}" type="datetimeFigureOut">
               <a:rPr lang="zh-TW" altLang="en-US" smtClean="0"/>
-              <a:t>2023/12/5</a:t>
+              <a:t>2023/12/7</a:t>
             </a:fld>
             <a:endParaRPr lang="zh-TW" altLang="en-US"/>
           </a:p>
@@ -6038,7 +6038,7 @@
           <a:ln/>
           <a:extLst>
             <a:ext uri="{91240B29-F687-4f45-9708-019B960494DF}">
-              <a14:hiddenLine xmlns:a14="http://schemas.microsoft.com/office/drawing/2010/main" xmlns="" w="9525">
+              <a14:hiddenLine xmlns="" xmlns:a14="http://schemas.microsoft.com/office/drawing/2010/main" w="9525">
                 <a:solidFill>
                   <a:srgbClr val="000000"/>
                 </a:solidFill>
@@ -6222,7 +6222,7 @@
           <a:p>
             <a:fld id="{ECDFED21-09AD-471B-8497-55B3AAD023D8}" type="datetimeFigureOut">
               <a:rPr lang="zh-TW" altLang="en-US" smtClean="0"/>
-              <a:t>2023/12/5</a:t>
+              <a:t>2023/12/7</a:t>
             </a:fld>
             <a:endParaRPr lang="zh-TW" altLang="en-US"/>
           </a:p>
@@ -6377,7 +6377,7 @@
           <a:ln/>
           <a:extLst>
             <a:ext uri="{91240B29-F687-4f45-9708-019B960494DF}">
-              <a14:hiddenLine xmlns:a14="http://schemas.microsoft.com/office/drawing/2010/main" xmlns="" w="9525">
+              <a14:hiddenLine xmlns="" xmlns:a14="http://schemas.microsoft.com/office/drawing/2010/main" w="9525">
                 <a:solidFill>
                   <a:srgbClr val="000000"/>
                 </a:solidFill>
@@ -6699,7 +6699,7 @@
           <a:p>
             <a:fld id="{ECDFED21-09AD-471B-8497-55B3AAD023D8}" type="datetimeFigureOut">
               <a:rPr lang="zh-TW" altLang="en-US" smtClean="0"/>
-              <a:t>2023/12/5</a:t>
+              <a:t>2023/12/7</a:t>
             </a:fld>
             <a:endParaRPr lang="zh-TW" altLang="en-US"/>
           </a:p>
@@ -6854,7 +6854,7 @@
           <a:ln/>
           <a:extLst>
             <a:ext uri="{91240B29-F687-4f45-9708-019B960494DF}">
-              <a14:hiddenLine xmlns:a14="http://schemas.microsoft.com/office/drawing/2010/main" xmlns="" w="9525">
+              <a14:hiddenLine xmlns="" xmlns:a14="http://schemas.microsoft.com/office/drawing/2010/main" w="9525">
                 <a:solidFill>
                   <a:srgbClr val="000000"/>
                 </a:solidFill>
@@ -6920,7 +6920,7 @@
           <a:p>
             <a:fld id="{ECDFED21-09AD-471B-8497-55B3AAD023D8}" type="datetimeFigureOut">
               <a:rPr lang="zh-TW" altLang="en-US" smtClean="0"/>
-              <a:t>2023/12/5</a:t>
+              <a:t>2023/12/7</a:t>
             </a:fld>
             <a:endParaRPr lang="zh-TW" altLang="en-US"/>
           </a:p>
@@ -7015,7 +7015,7 @@
           <a:p>
             <a:fld id="{ECDFED21-09AD-471B-8497-55B3AAD023D8}" type="datetimeFigureOut">
               <a:rPr lang="zh-TW" altLang="en-US" smtClean="0"/>
-              <a:t>2023/12/5</a:t>
+              <a:t>2023/12/7</a:t>
             </a:fld>
             <a:endParaRPr lang="zh-TW" altLang="en-US"/>
           </a:p>
@@ -7283,7 +7283,7 @@
           <a:ln/>
           <a:extLst>
             <a:ext uri="{91240B29-F687-4f45-9708-019B960494DF}">
-              <a14:hiddenLine xmlns:a14="http://schemas.microsoft.com/office/drawing/2010/main" xmlns="" w="9525">
+              <a14:hiddenLine xmlns="" xmlns:a14="http://schemas.microsoft.com/office/drawing/2010/main" w="9525">
                 <a:solidFill>
                   <a:srgbClr val="000000"/>
                 </a:solidFill>
@@ -7482,7 +7482,7 @@
           <a:p>
             <a:fld id="{ECDFED21-09AD-471B-8497-55B3AAD023D8}" type="datetimeFigureOut">
               <a:rPr lang="zh-TW" altLang="en-US" smtClean="0"/>
-              <a:t>2023/12/5</a:t>
+              <a:t>2023/12/7</a:t>
             </a:fld>
             <a:endParaRPr lang="zh-TW" altLang="en-US"/>
           </a:p>
@@ -7795,7 +7795,7 @@
           <a:p>
             <a:fld id="{ECDFED21-09AD-471B-8497-55B3AAD023D8}" type="datetimeFigureOut">
               <a:rPr lang="zh-TW" altLang="en-US" smtClean="0"/>
-              <a:t>2023/12/5</a:t>
+              <a:t>2023/12/7</a:t>
             </a:fld>
             <a:endParaRPr lang="zh-TW" altLang="en-US"/>
           </a:p>
@@ -8065,7 +8065,7 @@
           <a:p>
             <a:fld id="{ECDFED21-09AD-471B-8497-55B3AAD023D8}" type="datetimeFigureOut">
               <a:rPr lang="zh-TW" altLang="en-US" smtClean="0"/>
-              <a:t>2023/12/5</a:t>
+              <a:t>2023/12/7</a:t>
             </a:fld>
             <a:endParaRPr lang="zh-TW" altLang="en-US"/>
           </a:p>
@@ -9042,6 +9042,49 @@
           </a:xfrm>
         </p:spPr>
       </p:pic>
+      <p:pic>
+        <p:nvPicPr>
+          <p:cNvPr id="6" name="內容版面配置區 8" descr="冒汗 Gummy Monsters">
+            <a:extLst>
+              <a:ext uri="{FF2B5EF4-FFF2-40B4-BE49-F238E27FC236}">
+                <a16:creationId xmlns:a16="http://schemas.microsoft.com/office/drawing/2014/main" id="{D3AE829B-9A33-4018-A18D-60C6E284340D}"/>
+              </a:ext>
+            </a:extLst>
+          </p:cNvPr>
+          <p:cNvPicPr>
+            <a:picLocks noChangeAspect="1"/>
+          </p:cNvPicPr>
+          <p:nvPr/>
+        </p:nvPicPr>
+        <p:blipFill>
+          <a:blip r:embed="rId5">
+            <a:extLst>
+              <a:ext uri="{28A0092B-C50C-407E-A947-70E740481C1C}">
+                <a14:useLocalDpi xmlns:a14="http://schemas.microsoft.com/office/drawing/2010/main" val="0"/>
+              </a:ext>
+            </a:extLst>
+          </a:blip>
+          <a:stretch>
+            <a:fillRect/>
+          </a:stretch>
+        </p:blipFill>
+        <p:spPr>
+          <a:xfrm>
+            <a:off x="9453030" y="-390419"/>
+            <a:ext cx="2645664" cy="2592443"/>
+          </a:xfrm>
+          <a:prstGeom prst="rect">
+            <a:avLst/>
+          </a:prstGeom>
+          <a:effectLst>
+            <a:outerShdw blurRad="50800" dir="14400000">
+              <a:srgbClr val="000000">
+                <a:alpha val="40000"/>
+              </a:srgbClr>
+            </a:outerShdw>
+          </a:effectLst>
+        </p:spPr>
+      </p:pic>
     </p:spTree>
     <p:extLst>
       <p:ext uri="{BB962C8B-B14F-4D97-AF65-F5344CB8AC3E}">

--- a/信用卡消費樣態.pptx
+++ b/信用卡消費樣態.pptx
@@ -13,12 +13,14 @@
     <p:sldId id="261" r:id="rId7"/>
     <p:sldId id="264" r:id="rId8"/>
     <p:sldId id="263" r:id="rId9"/>
-    <p:sldId id="266" r:id="rId10"/>
-    <p:sldId id="267" r:id="rId11"/>
-    <p:sldId id="268" r:id="rId12"/>
-    <p:sldId id="269" r:id="rId13"/>
-    <p:sldId id="262" r:id="rId14"/>
-    <p:sldId id="265" r:id="rId15"/>
+    <p:sldId id="267" r:id="rId10"/>
+    <p:sldId id="268" r:id="rId11"/>
+    <p:sldId id="269" r:id="rId12"/>
+    <p:sldId id="266" r:id="rId13"/>
+    <p:sldId id="270" r:id="rId14"/>
+    <p:sldId id="272" r:id="rId15"/>
+    <p:sldId id="262" r:id="rId16"/>
+    <p:sldId id="265" r:id="rId17"/>
   </p:sldIdLst>
   <p:sldSz cx="12192000" cy="6858000"/>
   <p:notesSz cx="6858000" cy="9144000"/>
@@ -130,10 +132,12 @@
             <p14:sldId id="261"/>
             <p14:sldId id="264"/>
             <p14:sldId id="263"/>
-            <p14:sldId id="266"/>
             <p14:sldId id="267"/>
             <p14:sldId id="268"/>
             <p14:sldId id="269"/>
+            <p14:sldId id="266"/>
+            <p14:sldId id="270"/>
+            <p14:sldId id="272"/>
             <p14:sldId id="262"/>
             <p14:sldId id="265"/>
           </p14:sldIdLst>
@@ -3332,7 +3336,7 @@
           <a:effectLst/>
           <a:extLst>
             <a:ext uri="{91240B29-F687-4f45-9708-019B960494DF}">
-              <a14:hiddenLine xmlns:a14="http://schemas.microsoft.com/office/drawing/2010/main" xmlns="" w="9525">
+              <a14:hiddenLine xmlns="" xmlns:a14="http://schemas.microsoft.com/office/drawing/2010/main" w="9525">
                 <a:solidFill>
                   <a:srgbClr val="000000"/>
                 </a:solidFill>
@@ -3524,7 +3528,7 @@
           <a:p>
             <a:fld id="{ECDFED21-09AD-471B-8497-55B3AAD023D8}" type="datetimeFigureOut">
               <a:rPr lang="zh-TW" altLang="en-US" smtClean="0"/>
-              <a:t>2023/12/5</a:t>
+              <a:t>2023/12/7</a:t>
             </a:fld>
             <a:endParaRPr lang="zh-TW" altLang="en-US"/>
           </a:p>
@@ -3842,7 +3846,7 @@
           <a:p>
             <a:fld id="{ECDFED21-09AD-471B-8497-55B3AAD023D8}" type="datetimeFigureOut">
               <a:rPr lang="zh-TW" altLang="en-US" smtClean="0"/>
-              <a:t>2023/12/5</a:t>
+              <a:t>2023/12/7</a:t>
             </a:fld>
             <a:endParaRPr lang="zh-TW" altLang="en-US"/>
           </a:p>
@@ -4330,7 +4334,7 @@
           <a:p>
             <a:fld id="{ECDFED21-09AD-471B-8497-55B3AAD023D8}" type="datetimeFigureOut">
               <a:rPr lang="zh-TW" altLang="en-US" smtClean="0"/>
-              <a:t>2023/12/5</a:t>
+              <a:t>2023/12/7</a:t>
             </a:fld>
             <a:endParaRPr lang="zh-TW" altLang="en-US"/>
           </a:p>
@@ -4699,7 +4703,7 @@
           <a:p>
             <a:fld id="{ECDFED21-09AD-471B-8497-55B3AAD023D8}" type="datetimeFigureOut">
               <a:rPr lang="zh-TW" altLang="en-US" smtClean="0"/>
-              <a:t>2023/12/5</a:t>
+              <a:t>2023/12/7</a:t>
             </a:fld>
             <a:endParaRPr lang="zh-TW" altLang="en-US"/>
           </a:p>
@@ -4854,7 +4858,7 @@
           <a:ln/>
           <a:extLst>
             <a:ext uri="{91240B29-F687-4f45-9708-019B960494DF}">
-              <a14:hiddenLine xmlns:a14="http://schemas.microsoft.com/office/drawing/2010/main" xmlns="" w="9525">
+              <a14:hiddenLine xmlns="" xmlns:a14="http://schemas.microsoft.com/office/drawing/2010/main" w="9525">
                 <a:solidFill>
                   <a:srgbClr val="000000"/>
                 </a:solidFill>
@@ -4972,7 +4976,7 @@
           <a:p>
             <a:fld id="{ECDFED21-09AD-471B-8497-55B3AAD023D8}" type="datetimeFigureOut">
               <a:rPr lang="zh-TW" altLang="en-US" smtClean="0"/>
-              <a:t>2023/12/5</a:t>
+              <a:t>2023/12/7</a:t>
             </a:fld>
             <a:endParaRPr lang="zh-TW" altLang="en-US"/>
           </a:p>
@@ -5129,7 +5133,7 @@
           <a:ln/>
           <a:extLst>
             <a:ext uri="{91240B29-F687-4f45-9708-019B960494DF}">
-              <a14:hiddenLine xmlns:a14="http://schemas.microsoft.com/office/drawing/2010/main" xmlns="" w="9525">
+              <a14:hiddenLine xmlns="" xmlns:a14="http://schemas.microsoft.com/office/drawing/2010/main" w="9525">
                 <a:solidFill>
                   <a:srgbClr val="000000"/>
                 </a:solidFill>
@@ -5257,7 +5261,7 @@
           <a:p>
             <a:fld id="{ECDFED21-09AD-471B-8497-55B3AAD023D8}" type="datetimeFigureOut">
               <a:rPr lang="zh-TW" altLang="en-US" smtClean="0"/>
-              <a:t>2023/12/5</a:t>
+              <a:t>2023/12/7</a:t>
             </a:fld>
             <a:endParaRPr lang="zh-TW" altLang="en-US"/>
           </a:p>
@@ -5412,7 +5416,7 @@
           <a:ln/>
           <a:extLst>
             <a:ext uri="{91240B29-F687-4f45-9708-019B960494DF}">
-              <a14:hiddenLine xmlns:a14="http://schemas.microsoft.com/office/drawing/2010/main" xmlns="" w="9525">
+              <a14:hiddenLine xmlns="" xmlns:a14="http://schemas.microsoft.com/office/drawing/2010/main" w="9525">
                 <a:solidFill>
                   <a:srgbClr val="000000"/>
                 </a:solidFill>
@@ -5540,7 +5544,7 @@
           <a:p>
             <a:fld id="{ECDFED21-09AD-471B-8497-55B3AAD023D8}" type="datetimeFigureOut">
               <a:rPr lang="zh-TW" altLang="en-US" smtClean="0"/>
-              <a:t>2023/12/5</a:t>
+              <a:t>2023/12/7</a:t>
             </a:fld>
             <a:endParaRPr lang="zh-TW" altLang="en-US"/>
           </a:p>
@@ -5883,7 +5887,7 @@
           <a:p>
             <a:fld id="{ECDFED21-09AD-471B-8497-55B3AAD023D8}" type="datetimeFigureOut">
               <a:rPr lang="zh-TW" altLang="en-US" smtClean="0"/>
-              <a:t>2023/12/5</a:t>
+              <a:t>2023/12/7</a:t>
             </a:fld>
             <a:endParaRPr lang="zh-TW" altLang="en-US"/>
           </a:p>
@@ -6038,7 +6042,7 @@
           <a:ln/>
           <a:extLst>
             <a:ext uri="{91240B29-F687-4f45-9708-019B960494DF}">
-              <a14:hiddenLine xmlns:a14="http://schemas.microsoft.com/office/drawing/2010/main" xmlns="" w="9525">
+              <a14:hiddenLine xmlns="" xmlns:a14="http://schemas.microsoft.com/office/drawing/2010/main" w="9525">
                 <a:solidFill>
                   <a:srgbClr val="000000"/>
                 </a:solidFill>
@@ -6222,7 +6226,7 @@
           <a:p>
             <a:fld id="{ECDFED21-09AD-471B-8497-55B3AAD023D8}" type="datetimeFigureOut">
               <a:rPr lang="zh-TW" altLang="en-US" smtClean="0"/>
-              <a:t>2023/12/5</a:t>
+              <a:t>2023/12/7</a:t>
             </a:fld>
             <a:endParaRPr lang="zh-TW" altLang="en-US"/>
           </a:p>
@@ -6377,7 +6381,7 @@
           <a:ln/>
           <a:extLst>
             <a:ext uri="{91240B29-F687-4f45-9708-019B960494DF}">
-              <a14:hiddenLine xmlns:a14="http://schemas.microsoft.com/office/drawing/2010/main" xmlns="" w="9525">
+              <a14:hiddenLine xmlns="" xmlns:a14="http://schemas.microsoft.com/office/drawing/2010/main" w="9525">
                 <a:solidFill>
                   <a:srgbClr val="000000"/>
                 </a:solidFill>
@@ -6699,7 +6703,7 @@
           <a:p>
             <a:fld id="{ECDFED21-09AD-471B-8497-55B3AAD023D8}" type="datetimeFigureOut">
               <a:rPr lang="zh-TW" altLang="en-US" smtClean="0"/>
-              <a:t>2023/12/5</a:t>
+              <a:t>2023/12/7</a:t>
             </a:fld>
             <a:endParaRPr lang="zh-TW" altLang="en-US"/>
           </a:p>
@@ -6854,7 +6858,7 @@
           <a:ln/>
           <a:extLst>
             <a:ext uri="{91240B29-F687-4f45-9708-019B960494DF}">
-              <a14:hiddenLine xmlns:a14="http://schemas.microsoft.com/office/drawing/2010/main" xmlns="" w="9525">
+              <a14:hiddenLine xmlns="" xmlns:a14="http://schemas.microsoft.com/office/drawing/2010/main" w="9525">
                 <a:solidFill>
                   <a:srgbClr val="000000"/>
                 </a:solidFill>
@@ -6920,7 +6924,7 @@
           <a:p>
             <a:fld id="{ECDFED21-09AD-471B-8497-55B3AAD023D8}" type="datetimeFigureOut">
               <a:rPr lang="zh-TW" altLang="en-US" smtClean="0"/>
-              <a:t>2023/12/5</a:t>
+              <a:t>2023/12/7</a:t>
             </a:fld>
             <a:endParaRPr lang="zh-TW" altLang="en-US"/>
           </a:p>
@@ -7015,7 +7019,7 @@
           <a:p>
             <a:fld id="{ECDFED21-09AD-471B-8497-55B3AAD023D8}" type="datetimeFigureOut">
               <a:rPr lang="zh-TW" altLang="en-US" smtClean="0"/>
-              <a:t>2023/12/5</a:t>
+              <a:t>2023/12/7</a:t>
             </a:fld>
             <a:endParaRPr lang="zh-TW" altLang="en-US"/>
           </a:p>
@@ -7283,7 +7287,7 @@
           <a:ln/>
           <a:extLst>
             <a:ext uri="{91240B29-F687-4f45-9708-019B960494DF}">
-              <a14:hiddenLine xmlns:a14="http://schemas.microsoft.com/office/drawing/2010/main" xmlns="" w="9525">
+              <a14:hiddenLine xmlns="" xmlns:a14="http://schemas.microsoft.com/office/drawing/2010/main" w="9525">
                 <a:solidFill>
                   <a:srgbClr val="000000"/>
                 </a:solidFill>
@@ -7482,7 +7486,7 @@
           <a:p>
             <a:fld id="{ECDFED21-09AD-471B-8497-55B3AAD023D8}" type="datetimeFigureOut">
               <a:rPr lang="zh-TW" altLang="en-US" smtClean="0"/>
-              <a:t>2023/12/5</a:t>
+              <a:t>2023/12/7</a:t>
             </a:fld>
             <a:endParaRPr lang="zh-TW" altLang="en-US"/>
           </a:p>
@@ -7795,7 +7799,7 @@
           <a:p>
             <a:fld id="{ECDFED21-09AD-471B-8497-55B3AAD023D8}" type="datetimeFigureOut">
               <a:rPr lang="zh-TW" altLang="en-US" smtClean="0"/>
-              <a:t>2023/12/5</a:t>
+              <a:t>2023/12/7</a:t>
             </a:fld>
             <a:endParaRPr lang="zh-TW" altLang="en-US"/>
           </a:p>
@@ -8065,7 +8069,7 @@
           <a:p>
             <a:fld id="{ECDFED21-09AD-471B-8497-55B3AAD023D8}" type="datetimeFigureOut">
               <a:rPr lang="zh-TW" altLang="en-US" smtClean="0"/>
-              <a:t>2023/12/5</a:t>
+              <a:t>2023/12/7</a:t>
             </a:fld>
             <a:endParaRPr lang="zh-TW" altLang="en-US"/>
           </a:p>
@@ -8944,181 +8948,6 @@
                 <a:latin typeface="標楷體" panose="03000509000000000000" pitchFamily="65" charset="-120"/>
                 <a:ea typeface="標楷體" panose="03000509000000000000" pitchFamily="65" charset="-120"/>
               </a:rPr>
-              <a:t>(3)</a:t>
-            </a:r>
-            <a:endParaRPr lang="zh-TW" altLang="en-US" dirty="0">
-              <a:latin typeface="標楷體" panose="03000509000000000000" pitchFamily="65" charset="-120"/>
-              <a:ea typeface="標楷體" panose="03000509000000000000" pitchFamily="65" charset="-120"/>
-            </a:endParaRPr>
-          </a:p>
-        </p:txBody>
-      </p:sp>
-      <p:pic>
-        <p:nvPicPr>
-          <p:cNvPr id="3" name="圖片 2">
-            <a:extLst>
-              <a:ext uri="{FF2B5EF4-FFF2-40B4-BE49-F238E27FC236}">
-                <a16:creationId xmlns:a16="http://schemas.microsoft.com/office/drawing/2014/main" id="{2405B748-C756-9008-63EC-7B8E3E2BE5BC}"/>
-              </a:ext>
-            </a:extLst>
-          </p:cNvPr>
-          <p:cNvPicPr>
-            <a:picLocks noChangeAspect="1"/>
-          </p:cNvPicPr>
-          <p:nvPr/>
-        </p:nvPicPr>
-        <p:blipFill>
-          <a:blip r:embed="rId2"/>
-          <a:stretch>
-            <a:fillRect/>
-          </a:stretch>
-        </p:blipFill>
-        <p:spPr>
-          <a:xfrm>
-            <a:off x="551669" y="2202024"/>
-            <a:ext cx="10559187" cy="4208788"/>
-          </a:xfrm>
-          <a:prstGeom prst="rect">
-            <a:avLst/>
-          </a:prstGeom>
-        </p:spPr>
-      </p:pic>
-      <p:pic>
-        <p:nvPicPr>
-          <p:cNvPr id="7" name="圖片 6">
-            <a:extLst>
-              <a:ext uri="{FF2B5EF4-FFF2-40B4-BE49-F238E27FC236}">
-                <a16:creationId xmlns:a16="http://schemas.microsoft.com/office/drawing/2014/main" id="{77AAEB3D-246B-C3B1-EA68-5AD2BF6C7E01}"/>
-              </a:ext>
-            </a:extLst>
-          </p:cNvPr>
-          <p:cNvPicPr>
-            <a:picLocks noChangeAspect="1"/>
-          </p:cNvPicPr>
-          <p:nvPr/>
-        </p:nvPicPr>
-        <p:blipFill>
-          <a:blip r:embed="rId3"/>
-          <a:stretch>
-            <a:fillRect/>
-          </a:stretch>
-        </p:blipFill>
-        <p:spPr>
-          <a:xfrm>
-            <a:off x="6438122" y="2248839"/>
-            <a:ext cx="5660572" cy="4313506"/>
-          </a:xfrm>
-          <a:prstGeom prst="rect">
-            <a:avLst/>
-          </a:prstGeom>
-        </p:spPr>
-      </p:pic>
-      <p:pic>
-        <p:nvPicPr>
-          <p:cNvPr id="15" name="內容版面配置區 14">
-            <a:extLst>
-              <a:ext uri="{FF2B5EF4-FFF2-40B4-BE49-F238E27FC236}">
-                <a16:creationId xmlns:a16="http://schemas.microsoft.com/office/drawing/2014/main" id="{02EF4AFC-8B91-822F-4BCE-95AC6A5CD16E}"/>
-              </a:ext>
-            </a:extLst>
-          </p:cNvPr>
-          <p:cNvPicPr>
-            <a:picLocks noGrp="1" noChangeAspect="1"/>
-          </p:cNvPicPr>
-          <p:nvPr>
-            <p:ph idx="1"/>
-          </p:nvPr>
-        </p:nvPicPr>
-        <p:blipFill>
-          <a:blip r:embed="rId4"/>
-          <a:stretch>
-            <a:fillRect/>
-          </a:stretch>
-        </p:blipFill>
-        <p:spPr>
-          <a:xfrm>
-            <a:off x="334013" y="2371790"/>
-            <a:ext cx="5652627" cy="4190555"/>
-          </a:xfrm>
-        </p:spPr>
-      </p:pic>
-    </p:spTree>
-    <p:extLst>
-      <p:ext uri="{BB962C8B-B14F-4D97-AF65-F5344CB8AC3E}">
-        <p14:creationId xmlns:p14="http://schemas.microsoft.com/office/powerpoint/2010/main" val="160740078"/>
-      </p:ext>
-    </p:extLst>
-  </p:cSld>
-  <p:clrMapOvr>
-    <a:masterClrMapping/>
-  </p:clrMapOvr>
-</p:sld>
-</file>
-
-<file path=ppt/slides/slide11.xml><?xml version="1.0" encoding="utf-8"?>
-<p:sld xmlns:a="http://schemas.openxmlformats.org/drawingml/2006/main" xmlns:r="http://schemas.openxmlformats.org/officeDocument/2006/relationships" xmlns:p="http://schemas.openxmlformats.org/presentationml/2006/main">
-  <p:cSld>
-    <p:spTree>
-      <p:nvGrpSpPr>
-        <p:cNvPr id="1" name=""/>
-        <p:cNvGrpSpPr/>
-        <p:nvPr/>
-      </p:nvGrpSpPr>
-      <p:grpSpPr>
-        <a:xfrm>
-          <a:off x="0" y="0"/>
-          <a:ext cx="0" cy="0"/>
-          <a:chOff x="0" y="0"/>
-          <a:chExt cx="0" cy="0"/>
-        </a:xfrm>
-      </p:grpSpPr>
-      <p:sp>
-        <p:nvSpPr>
-          <p:cNvPr id="2" name="標題 1">
-            <a:extLst>
-              <a:ext uri="{FF2B5EF4-FFF2-40B4-BE49-F238E27FC236}">
-                <a16:creationId xmlns:a16="http://schemas.microsoft.com/office/drawing/2014/main" id="{9CA0D9E8-ACB1-728C-15D1-BF402EF90D1E}"/>
-              </a:ext>
-            </a:extLst>
-          </p:cNvPr>
-          <p:cNvSpPr>
-            <a:spLocks noGrp="1"/>
-          </p:cNvSpPr>
-          <p:nvPr>
-            <p:ph type="title"/>
-          </p:nvPr>
-        </p:nvSpPr>
-        <p:spPr/>
-        <p:txBody>
-          <a:bodyPr/>
-          <a:lstStyle/>
-          <a:p>
-            <a:r>
-              <a:rPr lang="zh-TW" altLang="en-US" dirty="0">
-                <a:latin typeface="標楷體" panose="03000509000000000000" pitchFamily="65" charset="-120"/>
-                <a:ea typeface="標楷體" panose="03000509000000000000" pitchFamily="65" charset="-120"/>
-              </a:rPr>
-              <a:t>資料應用流程</a:t>
-            </a:r>
-            <a:r>
-              <a:rPr lang="en-US" altLang="zh-TW" dirty="0">
-                <a:latin typeface="標楷體" panose="03000509000000000000" pitchFamily="65" charset="-120"/>
-                <a:ea typeface="標楷體" panose="03000509000000000000" pitchFamily="65" charset="-120"/>
-              </a:rPr>
-              <a:t>--</a:t>
-            </a:r>
-            <a:r>
-              <a:rPr lang="zh-TW" altLang="en-US" dirty="0">
-                <a:latin typeface="標楷體" panose="03000509000000000000" pitchFamily="65" charset="-120"/>
-                <a:ea typeface="標楷體" panose="03000509000000000000" pitchFamily="65" charset="-120"/>
-              </a:rPr>
-              <a:t>資料分析</a:t>
-            </a:r>
-            <a:r>
-              <a:rPr lang="en-US" altLang="zh-TW" dirty="0">
-                <a:latin typeface="標楷體" panose="03000509000000000000" pitchFamily="65" charset="-120"/>
-                <a:ea typeface="標楷體" panose="03000509000000000000" pitchFamily="65" charset="-120"/>
-              </a:rPr>
               <a:t>(4)</a:t>
             </a:r>
             <a:endParaRPr lang="zh-TW" altLang="en-US" dirty="0">
@@ -9266,7 +9095,7 @@
 </p:sld>
 </file>
 
-<file path=ppt/slides/slide12.xml><?xml version="1.0" encoding="utf-8"?>
+<file path=ppt/slides/slide11.xml><?xml version="1.0" encoding="utf-8"?>
 <p:sld xmlns:a="http://schemas.openxmlformats.org/drawingml/2006/main" xmlns:r="http://schemas.openxmlformats.org/officeDocument/2006/relationships" xmlns:p="http://schemas.openxmlformats.org/presentationml/2006/main">
   <p:cSld>
     <p:spTree>
@@ -9477,7 +9306,621 @@
 </p:sld>
 </file>
 
+<file path=ppt/slides/slide12.xml><?xml version="1.0" encoding="utf-8"?>
+<p:sld xmlns:a="http://schemas.openxmlformats.org/drawingml/2006/main" xmlns:r="http://schemas.openxmlformats.org/officeDocument/2006/relationships" xmlns:p="http://schemas.openxmlformats.org/presentationml/2006/main">
+  <p:cSld>
+    <p:spTree>
+      <p:nvGrpSpPr>
+        <p:cNvPr id="1" name=""/>
+        <p:cNvGrpSpPr/>
+        <p:nvPr/>
+      </p:nvGrpSpPr>
+      <p:grpSpPr>
+        <a:xfrm>
+          <a:off x="0" y="0"/>
+          <a:ext cx="0" cy="0"/>
+          <a:chOff x="0" y="0"/>
+          <a:chExt cx="0" cy="0"/>
+        </a:xfrm>
+      </p:grpSpPr>
+      <p:sp>
+        <p:nvSpPr>
+          <p:cNvPr id="2" name="標題 1">
+            <a:extLst>
+              <a:ext uri="{FF2B5EF4-FFF2-40B4-BE49-F238E27FC236}">
+                <a16:creationId xmlns:a16="http://schemas.microsoft.com/office/drawing/2014/main" id="{9CA0D9E8-ACB1-728C-15D1-BF402EF90D1E}"/>
+              </a:ext>
+            </a:extLst>
+          </p:cNvPr>
+          <p:cNvSpPr>
+            <a:spLocks noGrp="1"/>
+          </p:cNvSpPr>
+          <p:nvPr>
+            <p:ph type="title"/>
+          </p:nvPr>
+        </p:nvSpPr>
+        <p:spPr/>
+        <p:txBody>
+          <a:bodyPr/>
+          <a:lstStyle/>
+          <a:p>
+            <a:r>
+              <a:rPr lang="zh-TW" altLang="en-US" dirty="0">
+                <a:latin typeface="標楷體" panose="03000509000000000000" pitchFamily="65" charset="-120"/>
+                <a:ea typeface="標楷體" panose="03000509000000000000" pitchFamily="65" charset="-120"/>
+              </a:rPr>
+              <a:t>資料應用流程</a:t>
+            </a:r>
+            <a:r>
+              <a:rPr lang="en-US" altLang="zh-TW" dirty="0">
+                <a:latin typeface="標楷體" panose="03000509000000000000" pitchFamily="65" charset="-120"/>
+                <a:ea typeface="標楷體" panose="03000509000000000000" pitchFamily="65" charset="-120"/>
+              </a:rPr>
+              <a:t>--</a:t>
+            </a:r>
+            <a:r>
+              <a:rPr lang="zh-TW" altLang="en-US" dirty="0">
+                <a:latin typeface="標楷體" panose="03000509000000000000" pitchFamily="65" charset="-120"/>
+                <a:ea typeface="標楷體" panose="03000509000000000000" pitchFamily="65" charset="-120"/>
+              </a:rPr>
+              <a:t>資料分析</a:t>
+            </a:r>
+            <a:r>
+              <a:rPr lang="en-US" altLang="zh-TW" dirty="0">
+                <a:latin typeface="標楷體" panose="03000509000000000000" pitchFamily="65" charset="-120"/>
+                <a:ea typeface="標楷體" panose="03000509000000000000" pitchFamily="65" charset="-120"/>
+              </a:rPr>
+              <a:t>(2)</a:t>
+            </a:r>
+            <a:endParaRPr lang="zh-TW" altLang="en-US" dirty="0">
+              <a:latin typeface="標楷體" panose="03000509000000000000" pitchFamily="65" charset="-120"/>
+              <a:ea typeface="標楷體" panose="03000509000000000000" pitchFamily="65" charset="-120"/>
+            </a:endParaRPr>
+          </a:p>
+        </p:txBody>
+      </p:sp>
+      <p:pic>
+        <p:nvPicPr>
+          <p:cNvPr id="9" name="內容版面配置區 8" descr="冒汗 Gummy Monsters">
+            <a:extLst>
+              <a:ext uri="{FF2B5EF4-FFF2-40B4-BE49-F238E27FC236}">
+                <a16:creationId xmlns:a16="http://schemas.microsoft.com/office/drawing/2014/main" id="{5DC2FB20-68F1-330C-832A-8FC96C0F2951}"/>
+              </a:ext>
+            </a:extLst>
+          </p:cNvPr>
+          <p:cNvPicPr>
+            <a:picLocks noGrp="1" noChangeAspect="1"/>
+          </p:cNvPicPr>
+          <p:nvPr>
+            <p:ph idx="1"/>
+          </p:nvPr>
+        </p:nvPicPr>
+        <p:blipFill>
+          <a:blip r:embed="rId2">
+            <a:extLst>
+              <a:ext uri="{28A0092B-C50C-407E-A947-70E740481C1C}">
+                <a14:useLocalDpi xmlns:a14="http://schemas.microsoft.com/office/drawing/2010/main" val="0"/>
+              </a:ext>
+            </a:extLst>
+          </a:blip>
+          <a:stretch>
+            <a:fillRect/>
+          </a:stretch>
+        </p:blipFill>
+        <p:spPr>
+          <a:xfrm>
+            <a:off x="9453030" y="-390419"/>
+            <a:ext cx="2645664" cy="2592443"/>
+          </a:xfrm>
+        </p:spPr>
+      </p:pic>
+      <p:pic>
+        <p:nvPicPr>
+          <p:cNvPr id="3" name="圖片 2">
+            <a:extLst>
+              <a:ext uri="{FF2B5EF4-FFF2-40B4-BE49-F238E27FC236}">
+                <a16:creationId xmlns:a16="http://schemas.microsoft.com/office/drawing/2014/main" id="{2405B748-C756-9008-63EC-7B8E3E2BE5BC}"/>
+              </a:ext>
+            </a:extLst>
+          </p:cNvPr>
+          <p:cNvPicPr>
+            <a:picLocks noChangeAspect="1"/>
+          </p:cNvPicPr>
+          <p:nvPr/>
+        </p:nvPicPr>
+        <p:blipFill>
+          <a:blip r:embed="rId3"/>
+          <a:stretch>
+            <a:fillRect/>
+          </a:stretch>
+        </p:blipFill>
+        <p:spPr>
+          <a:xfrm>
+            <a:off x="551669" y="2202024"/>
+            <a:ext cx="10559187" cy="4208788"/>
+          </a:xfrm>
+          <a:prstGeom prst="rect">
+            <a:avLst/>
+          </a:prstGeom>
+        </p:spPr>
+      </p:pic>
+      <p:pic>
+        <p:nvPicPr>
+          <p:cNvPr id="7" name="圖片 6">
+            <a:extLst>
+              <a:ext uri="{FF2B5EF4-FFF2-40B4-BE49-F238E27FC236}">
+                <a16:creationId xmlns:a16="http://schemas.microsoft.com/office/drawing/2014/main" id="{D14EC564-8F90-9894-C4AD-5ED3C7ED3F64}"/>
+              </a:ext>
+            </a:extLst>
+          </p:cNvPr>
+          <p:cNvPicPr>
+            <a:picLocks noChangeAspect="1"/>
+          </p:cNvPicPr>
+          <p:nvPr/>
+        </p:nvPicPr>
+        <p:blipFill>
+          <a:blip r:embed="rId4"/>
+          <a:stretch>
+            <a:fillRect/>
+          </a:stretch>
+        </p:blipFill>
+        <p:spPr>
+          <a:xfrm>
+            <a:off x="6279502" y="2099388"/>
+            <a:ext cx="5819192" cy="4581330"/>
+          </a:xfrm>
+          <a:prstGeom prst="rect">
+            <a:avLst/>
+          </a:prstGeom>
+        </p:spPr>
+      </p:pic>
+      <p:pic>
+        <p:nvPicPr>
+          <p:cNvPr id="11" name="圖片 10">
+            <a:extLst>
+              <a:ext uri="{FF2B5EF4-FFF2-40B4-BE49-F238E27FC236}">
+                <a16:creationId xmlns:a16="http://schemas.microsoft.com/office/drawing/2014/main" id="{05B832E8-596B-C45F-5FB2-BF6E4F1ED9A9}"/>
+              </a:ext>
+            </a:extLst>
+          </p:cNvPr>
+          <p:cNvPicPr>
+            <a:picLocks noChangeAspect="1"/>
+          </p:cNvPicPr>
+          <p:nvPr/>
+        </p:nvPicPr>
+        <p:blipFill>
+          <a:blip r:embed="rId5"/>
+          <a:stretch>
+            <a:fillRect/>
+          </a:stretch>
+        </p:blipFill>
+        <p:spPr>
+          <a:xfrm>
+            <a:off x="151280" y="2255245"/>
+            <a:ext cx="5944720" cy="4258203"/>
+          </a:xfrm>
+          <a:prstGeom prst="rect">
+            <a:avLst/>
+          </a:prstGeom>
+        </p:spPr>
+      </p:pic>
+    </p:spTree>
+    <p:extLst>
+      <p:ext uri="{BB962C8B-B14F-4D97-AF65-F5344CB8AC3E}">
+        <p14:creationId xmlns:p14="http://schemas.microsoft.com/office/powerpoint/2010/main" val="1905159342"/>
+      </p:ext>
+    </p:extLst>
+  </p:cSld>
+  <p:clrMapOvr>
+    <a:masterClrMapping/>
+  </p:clrMapOvr>
+</p:sld>
+</file>
+
 <file path=ppt/slides/slide13.xml><?xml version="1.0" encoding="utf-8"?>
+<p:sld xmlns:a="http://schemas.openxmlformats.org/drawingml/2006/main" xmlns:r="http://schemas.openxmlformats.org/officeDocument/2006/relationships" xmlns:p="http://schemas.openxmlformats.org/presentationml/2006/main">
+  <p:cSld>
+    <p:spTree>
+      <p:nvGrpSpPr>
+        <p:cNvPr id="1" name=""/>
+        <p:cNvGrpSpPr/>
+        <p:nvPr/>
+      </p:nvGrpSpPr>
+      <p:grpSpPr>
+        <a:xfrm>
+          <a:off x="0" y="0"/>
+          <a:ext cx="0" cy="0"/>
+          <a:chOff x="0" y="0"/>
+          <a:chExt cx="0" cy="0"/>
+        </a:xfrm>
+      </p:grpSpPr>
+      <p:sp>
+        <p:nvSpPr>
+          <p:cNvPr id="2" name="標題 1">
+            <a:extLst>
+              <a:ext uri="{FF2B5EF4-FFF2-40B4-BE49-F238E27FC236}">
+                <a16:creationId xmlns:a16="http://schemas.microsoft.com/office/drawing/2014/main" id="{0B1587E2-D3DE-6293-CA2C-EC636C7BFDBA}"/>
+              </a:ext>
+            </a:extLst>
+          </p:cNvPr>
+          <p:cNvSpPr>
+            <a:spLocks noGrp="1"/>
+          </p:cNvSpPr>
+          <p:nvPr>
+            <p:ph type="title"/>
+          </p:nvPr>
+        </p:nvSpPr>
+        <p:spPr/>
+        <p:txBody>
+          <a:bodyPr/>
+          <a:lstStyle/>
+          <a:p>
+            <a:endParaRPr lang="zh-TW" altLang="en-US" dirty="0"/>
+          </a:p>
+        </p:txBody>
+      </p:sp>
+      <p:pic>
+        <p:nvPicPr>
+          <p:cNvPr id="4" name="圖片 3">
+            <a:extLst>
+              <a:ext uri="{FF2B5EF4-FFF2-40B4-BE49-F238E27FC236}">
+                <a16:creationId xmlns:a16="http://schemas.microsoft.com/office/drawing/2014/main" id="{EE4BC540-B2BF-A872-1D58-5E4C143662CB}"/>
+              </a:ext>
+            </a:extLst>
+          </p:cNvPr>
+          <p:cNvPicPr>
+            <a:picLocks noChangeAspect="1"/>
+          </p:cNvPicPr>
+          <p:nvPr/>
+        </p:nvPicPr>
+        <p:blipFill>
+          <a:blip r:embed="rId2"/>
+          <a:stretch>
+            <a:fillRect/>
+          </a:stretch>
+        </p:blipFill>
+        <p:spPr>
+          <a:xfrm>
+            <a:off x="7735194" y="4449940"/>
+            <a:ext cx="4357951" cy="2388849"/>
+          </a:xfrm>
+          <a:prstGeom prst="rect">
+            <a:avLst/>
+          </a:prstGeom>
+        </p:spPr>
+      </p:pic>
+      <p:pic>
+        <p:nvPicPr>
+          <p:cNvPr id="6" name="圖片 5">
+            <a:extLst>
+              <a:ext uri="{FF2B5EF4-FFF2-40B4-BE49-F238E27FC236}">
+                <a16:creationId xmlns:a16="http://schemas.microsoft.com/office/drawing/2014/main" id="{DF3AA047-796F-8465-1233-0D853C713BF2}"/>
+              </a:ext>
+            </a:extLst>
+          </p:cNvPr>
+          <p:cNvPicPr>
+            <a:picLocks noChangeAspect="1"/>
+          </p:cNvPicPr>
+          <p:nvPr/>
+        </p:nvPicPr>
+        <p:blipFill>
+          <a:blip r:embed="rId3"/>
+          <a:stretch>
+            <a:fillRect/>
+          </a:stretch>
+        </p:blipFill>
+        <p:spPr>
+          <a:xfrm>
+            <a:off x="7547237" y="1940767"/>
+            <a:ext cx="4551573" cy="2509173"/>
+          </a:xfrm>
+          <a:prstGeom prst="rect">
+            <a:avLst/>
+          </a:prstGeom>
+        </p:spPr>
+      </p:pic>
+      <p:pic>
+        <p:nvPicPr>
+          <p:cNvPr id="8" name="圖片 7">
+            <a:extLst>
+              <a:ext uri="{FF2B5EF4-FFF2-40B4-BE49-F238E27FC236}">
+                <a16:creationId xmlns:a16="http://schemas.microsoft.com/office/drawing/2014/main" id="{C3E78561-5864-5F7C-F880-E7ECC7EC38D6}"/>
+              </a:ext>
+            </a:extLst>
+          </p:cNvPr>
+          <p:cNvPicPr>
+            <a:picLocks noChangeAspect="1"/>
+          </p:cNvPicPr>
+          <p:nvPr/>
+        </p:nvPicPr>
+        <p:blipFill>
+          <a:blip r:embed="rId4"/>
+          <a:stretch>
+            <a:fillRect/>
+          </a:stretch>
+        </p:blipFill>
+        <p:spPr>
+          <a:xfrm>
+            <a:off x="2759321" y="2016968"/>
+            <a:ext cx="4693937" cy="2509172"/>
+          </a:xfrm>
+          <a:prstGeom prst="rect">
+            <a:avLst/>
+          </a:prstGeom>
+        </p:spPr>
+      </p:pic>
+      <p:pic>
+        <p:nvPicPr>
+          <p:cNvPr id="10" name="圖片 9">
+            <a:extLst>
+              <a:ext uri="{FF2B5EF4-FFF2-40B4-BE49-F238E27FC236}">
+                <a16:creationId xmlns:a16="http://schemas.microsoft.com/office/drawing/2014/main" id="{6970EA28-4581-F00C-0198-D96AFBFC15F1}"/>
+              </a:ext>
+            </a:extLst>
+          </p:cNvPr>
+          <p:cNvPicPr>
+            <a:picLocks noChangeAspect="1"/>
+          </p:cNvPicPr>
+          <p:nvPr/>
+        </p:nvPicPr>
+        <p:blipFill>
+          <a:blip r:embed="rId5"/>
+          <a:stretch>
+            <a:fillRect/>
+          </a:stretch>
+        </p:blipFill>
+        <p:spPr>
+          <a:xfrm>
+            <a:off x="2943225" y="4449940"/>
+            <a:ext cx="4800353" cy="2356795"/>
+          </a:xfrm>
+          <a:prstGeom prst="rect">
+            <a:avLst/>
+          </a:prstGeom>
+        </p:spPr>
+      </p:pic>
+    </p:spTree>
+    <p:extLst>
+      <p:ext uri="{BB962C8B-B14F-4D97-AF65-F5344CB8AC3E}">
+        <p14:creationId xmlns:p14="http://schemas.microsoft.com/office/powerpoint/2010/main" val="1292232539"/>
+      </p:ext>
+    </p:extLst>
+  </p:cSld>
+  <p:clrMapOvr>
+    <a:masterClrMapping/>
+  </p:clrMapOvr>
+</p:sld>
+</file>
+
+<file path=ppt/slides/slide14.xml><?xml version="1.0" encoding="utf-8"?>
+<p:sld xmlns:a="http://schemas.openxmlformats.org/drawingml/2006/main" xmlns:r="http://schemas.openxmlformats.org/officeDocument/2006/relationships" xmlns:p="http://schemas.openxmlformats.org/presentationml/2006/main">
+  <p:cSld>
+    <p:spTree>
+      <p:nvGrpSpPr>
+        <p:cNvPr id="1" name=""/>
+        <p:cNvGrpSpPr/>
+        <p:nvPr/>
+      </p:nvGrpSpPr>
+      <p:grpSpPr>
+        <a:xfrm>
+          <a:off x="0" y="0"/>
+          <a:ext cx="0" cy="0"/>
+          <a:chOff x="0" y="0"/>
+          <a:chExt cx="0" cy="0"/>
+        </a:xfrm>
+      </p:grpSpPr>
+      <p:sp>
+        <p:nvSpPr>
+          <p:cNvPr id="2" name="標題 1">
+            <a:extLst>
+              <a:ext uri="{FF2B5EF4-FFF2-40B4-BE49-F238E27FC236}">
+                <a16:creationId xmlns:a16="http://schemas.microsoft.com/office/drawing/2014/main" id="{D5907366-FFFF-E11F-C63E-567AC034E669}"/>
+              </a:ext>
+            </a:extLst>
+          </p:cNvPr>
+          <p:cNvSpPr>
+            <a:spLocks noGrp="1"/>
+          </p:cNvSpPr>
+          <p:nvPr>
+            <p:ph type="title"/>
+          </p:nvPr>
+        </p:nvSpPr>
+        <p:spPr>
+          <a:xfrm>
+            <a:off x="814729" y="727523"/>
+            <a:ext cx="2398025" cy="1617162"/>
+          </a:xfrm>
+        </p:spPr>
+        <p:txBody>
+          <a:bodyPr/>
+          <a:lstStyle/>
+          <a:p>
+            <a:endParaRPr lang="zh-TW" altLang="en-US" dirty="0"/>
+          </a:p>
+        </p:txBody>
+      </p:sp>
+      <p:sp>
+        <p:nvSpPr>
+          <p:cNvPr id="3" name="圖片版面配置區 2">
+            <a:extLst>
+              <a:ext uri="{FF2B5EF4-FFF2-40B4-BE49-F238E27FC236}">
+                <a16:creationId xmlns:a16="http://schemas.microsoft.com/office/drawing/2014/main" id="{6C7F0F23-8E50-45FB-BCB1-B42D27BB165F}"/>
+              </a:ext>
+            </a:extLst>
+          </p:cNvPr>
+          <p:cNvSpPr>
+            <a:spLocks noGrp="1"/>
+          </p:cNvSpPr>
+          <p:nvPr>
+            <p:ph type="pic" sz="quarter" idx="13"/>
+          </p:nvPr>
+        </p:nvSpPr>
+        <p:spPr/>
+      </p:sp>
+      <p:sp>
+        <p:nvSpPr>
+          <p:cNvPr id="4" name="文字版面配置區 3">
+            <a:extLst>
+              <a:ext uri="{FF2B5EF4-FFF2-40B4-BE49-F238E27FC236}">
+                <a16:creationId xmlns:a16="http://schemas.microsoft.com/office/drawing/2014/main" id="{71901561-C202-5CE5-2FD0-07EA4EE0EBF4}"/>
+              </a:ext>
+            </a:extLst>
+          </p:cNvPr>
+          <p:cNvSpPr>
+            <a:spLocks noGrp="1"/>
+          </p:cNvSpPr>
+          <p:nvPr>
+            <p:ph type="body" sz="half" idx="2"/>
+          </p:nvPr>
+        </p:nvSpPr>
+        <p:spPr>
+          <a:xfrm>
+            <a:off x="814727" y="2344684"/>
+            <a:ext cx="2398027" cy="3785794"/>
+          </a:xfrm>
+        </p:spPr>
+        <p:txBody>
+          <a:bodyPr/>
+          <a:lstStyle/>
+          <a:p>
+            <a:endParaRPr lang="zh-TW" altLang="en-US" dirty="0"/>
+          </a:p>
+        </p:txBody>
+      </p:sp>
+      <p:pic>
+        <p:nvPicPr>
+          <p:cNvPr id="5" name="內容版面配置區 4">
+            <a:extLst>
+              <a:ext uri="{FF2B5EF4-FFF2-40B4-BE49-F238E27FC236}">
+                <a16:creationId xmlns:a16="http://schemas.microsoft.com/office/drawing/2014/main" id="{12694B4D-F16D-07DD-E3C7-967A105086EE}"/>
+              </a:ext>
+            </a:extLst>
+          </p:cNvPr>
+          <p:cNvPicPr>
+            <a:picLocks noChangeAspect="1"/>
+          </p:cNvPicPr>
+          <p:nvPr/>
+        </p:nvPicPr>
+        <p:blipFill>
+          <a:blip r:embed="rId2"/>
+          <a:stretch>
+            <a:fillRect/>
+          </a:stretch>
+        </p:blipFill>
+        <p:spPr>
+          <a:xfrm>
+            <a:off x="7637893" y="344186"/>
+            <a:ext cx="4554107" cy="2784039"/>
+          </a:xfrm>
+          <a:prstGeom prst="rect">
+            <a:avLst/>
+          </a:prstGeom>
+        </p:spPr>
+      </p:pic>
+      <p:pic>
+        <p:nvPicPr>
+          <p:cNvPr id="6" name="圖片 5">
+            <a:extLst>
+              <a:ext uri="{FF2B5EF4-FFF2-40B4-BE49-F238E27FC236}">
+                <a16:creationId xmlns:a16="http://schemas.microsoft.com/office/drawing/2014/main" id="{91BFF986-F53F-497E-45DE-9EF8402A451B}"/>
+              </a:ext>
+            </a:extLst>
+          </p:cNvPr>
+          <p:cNvPicPr>
+            <a:picLocks noChangeAspect="1"/>
+          </p:cNvPicPr>
+          <p:nvPr/>
+        </p:nvPicPr>
+        <p:blipFill>
+          <a:blip r:embed="rId3"/>
+          <a:stretch>
+            <a:fillRect/>
+          </a:stretch>
+        </p:blipFill>
+        <p:spPr>
+          <a:xfrm>
+            <a:off x="7703385" y="3729776"/>
+            <a:ext cx="4423122" cy="2784040"/>
+          </a:xfrm>
+          <a:prstGeom prst="rect">
+            <a:avLst/>
+          </a:prstGeom>
+        </p:spPr>
+      </p:pic>
+      <p:pic>
+        <p:nvPicPr>
+          <p:cNvPr id="7" name="圖片 6">
+            <a:extLst>
+              <a:ext uri="{FF2B5EF4-FFF2-40B4-BE49-F238E27FC236}">
+                <a16:creationId xmlns:a16="http://schemas.microsoft.com/office/drawing/2014/main" id="{9E1620B6-E6A4-0749-59C8-AC61CFCCF328}"/>
+              </a:ext>
+            </a:extLst>
+          </p:cNvPr>
+          <p:cNvPicPr>
+            <a:picLocks noChangeAspect="1"/>
+          </p:cNvPicPr>
+          <p:nvPr/>
+        </p:nvPicPr>
+        <p:blipFill>
+          <a:blip r:embed="rId4"/>
+          <a:stretch>
+            <a:fillRect/>
+          </a:stretch>
+        </p:blipFill>
+        <p:spPr>
+          <a:xfrm>
+            <a:off x="3300447" y="3729115"/>
+            <a:ext cx="4249754" cy="2784040"/>
+          </a:xfrm>
+          <a:prstGeom prst="rect">
+            <a:avLst/>
+          </a:prstGeom>
+        </p:spPr>
+      </p:pic>
+      <p:pic>
+        <p:nvPicPr>
+          <p:cNvPr id="8" name="圖片 7">
+            <a:extLst>
+              <a:ext uri="{FF2B5EF4-FFF2-40B4-BE49-F238E27FC236}">
+                <a16:creationId xmlns:a16="http://schemas.microsoft.com/office/drawing/2014/main" id="{B0BBDFED-64EE-56BA-A0D1-FC94F75F0DB9}"/>
+              </a:ext>
+            </a:extLst>
+          </p:cNvPr>
+          <p:cNvPicPr>
+            <a:picLocks noChangeAspect="1"/>
+          </p:cNvPicPr>
+          <p:nvPr/>
+        </p:nvPicPr>
+        <p:blipFill>
+          <a:blip r:embed="rId5"/>
+          <a:stretch>
+            <a:fillRect/>
+          </a:stretch>
+        </p:blipFill>
+        <p:spPr>
+          <a:xfrm>
+            <a:off x="3629608" y="344187"/>
+            <a:ext cx="3920593" cy="2784699"/>
+          </a:xfrm>
+          <a:prstGeom prst="rect">
+            <a:avLst/>
+          </a:prstGeom>
+        </p:spPr>
+      </p:pic>
+    </p:spTree>
+    <p:extLst>
+      <p:ext uri="{BB962C8B-B14F-4D97-AF65-F5344CB8AC3E}">
+        <p14:creationId xmlns:p14="http://schemas.microsoft.com/office/powerpoint/2010/main" val="331445499"/>
+      </p:ext>
+    </p:extLst>
+  </p:cSld>
+  <p:clrMapOvr>
+    <a:masterClrMapping/>
+  </p:clrMapOvr>
+</p:sld>
+</file>
+
+<file path=ppt/slides/slide15.xml><?xml version="1.0" encoding="utf-8"?>
 <p:sld xmlns:a="http://schemas.openxmlformats.org/drawingml/2006/main" xmlns:r="http://schemas.openxmlformats.org/officeDocument/2006/relationships" xmlns:p="http://schemas.openxmlformats.org/presentationml/2006/main">
   <p:cSld>
     <p:spTree>
@@ -9720,7 +10163,7 @@
 </p:sld>
 </file>
 
-<file path=ppt/slides/slide14.xml><?xml version="1.0" encoding="utf-8"?>
+<file path=ppt/slides/slide16.xml><?xml version="1.0" encoding="utf-8"?>
 <p:sld xmlns:a="http://schemas.openxmlformats.org/drawingml/2006/main" xmlns:r="http://schemas.openxmlformats.org/officeDocument/2006/relationships" xmlns:p="http://schemas.openxmlformats.org/presentationml/2006/main">
   <p:cSld>
     <p:spTree>
@@ -9759,11 +10202,11 @@
           <a:lstStyle/>
           <a:p>
             <a:r>
-              <a:rPr lang="zh-TW" altLang="en-US" dirty="0">
+              <a:rPr lang="zh-TW" altLang="en-US" sz="4000" dirty="0">
                 <a:latin typeface="標楷體" panose="03000509000000000000" pitchFamily="65" charset="-120"/>
                 <a:ea typeface="標楷體" panose="03000509000000000000" pitchFamily="65" charset="-120"/>
               </a:rPr>
-              <a:t>結論</a:t>
+              <a:t>影片演示</a:t>
             </a:r>
           </a:p>
         </p:txBody>
@@ -9994,7 +10437,7 @@
                 <a:latin typeface="標楷體" panose="03000509000000000000" pitchFamily="65" charset="-120"/>
                 <a:ea typeface="標楷體" panose="03000509000000000000" pitchFamily="65" charset="-120"/>
               </a:rPr>
-              <a:t>結論及影片演示</a:t>
+              <a:t>影片演示</a:t>
             </a:r>
           </a:p>
         </p:txBody>
@@ -13518,7 +13961,7 @@
                 <a:latin typeface="標楷體" panose="03000509000000000000" pitchFamily="65" charset="-120"/>
                 <a:ea typeface="標楷體" panose="03000509000000000000" pitchFamily="65" charset="-120"/>
               </a:rPr>
-              <a:t>(2)</a:t>
+              <a:t>(3)</a:t>
             </a:r>
             <a:endParaRPr lang="zh-TW" altLang="en-US" dirty="0">
               <a:latin typeface="標楷體" panose="03000509000000000000" pitchFamily="65" charset="-120"/>
@@ -13527,41 +13970,6 @@
           </a:p>
         </p:txBody>
       </p:sp>
-      <p:pic>
-        <p:nvPicPr>
-          <p:cNvPr id="9" name="內容版面配置區 8" descr="冒汗 Gummy Monsters">
-            <a:extLst>
-              <a:ext uri="{FF2B5EF4-FFF2-40B4-BE49-F238E27FC236}">
-                <a16:creationId xmlns:a16="http://schemas.microsoft.com/office/drawing/2014/main" id="{5DC2FB20-68F1-330C-832A-8FC96C0F2951}"/>
-              </a:ext>
-            </a:extLst>
-          </p:cNvPr>
-          <p:cNvPicPr>
-            <a:picLocks noGrp="1" noChangeAspect="1"/>
-          </p:cNvPicPr>
-          <p:nvPr>
-            <p:ph idx="1"/>
-          </p:nvPr>
-        </p:nvPicPr>
-        <p:blipFill>
-          <a:blip r:embed="rId2">
-            <a:extLst>
-              <a:ext uri="{28A0092B-C50C-407E-A947-70E740481C1C}">
-                <a14:useLocalDpi xmlns:a14="http://schemas.microsoft.com/office/drawing/2010/main" val="0"/>
-              </a:ext>
-            </a:extLst>
-          </a:blip>
-          <a:stretch>
-            <a:fillRect/>
-          </a:stretch>
-        </p:blipFill>
-        <p:spPr>
-          <a:xfrm>
-            <a:off x="9453030" y="-390419"/>
-            <a:ext cx="2645664" cy="2592443"/>
-          </a:xfrm>
-        </p:spPr>
-      </p:pic>
       <p:pic>
         <p:nvPicPr>
           <p:cNvPr id="3" name="圖片 2">
@@ -13577,7 +13985,7 @@
           <p:nvPr/>
         </p:nvPicPr>
         <p:blipFill>
-          <a:blip r:embed="rId3"/>
+          <a:blip r:embed="rId2"/>
           <a:stretch>
             <a:fillRect/>
           </a:stretch>
@@ -13597,7 +14005,7 @@
           <p:cNvPr id="7" name="圖片 6">
             <a:extLst>
               <a:ext uri="{FF2B5EF4-FFF2-40B4-BE49-F238E27FC236}">
-                <a16:creationId xmlns:a16="http://schemas.microsoft.com/office/drawing/2014/main" id="{D14EC564-8F90-9894-C4AD-5ED3C7ED3F64}"/>
+                <a16:creationId xmlns:a16="http://schemas.microsoft.com/office/drawing/2014/main" id="{77AAEB3D-246B-C3B1-EA68-5AD2BF6C7E01}"/>
               </a:ext>
             </a:extLst>
           </p:cNvPr>
@@ -13607,15 +14015,15 @@
           <p:nvPr/>
         </p:nvPicPr>
         <p:blipFill>
-          <a:blip r:embed="rId4"/>
+          <a:blip r:embed="rId3"/>
           <a:stretch>
             <a:fillRect/>
           </a:stretch>
         </p:blipFill>
         <p:spPr>
           <a:xfrm>
-            <a:off x="6279502" y="2099388"/>
-            <a:ext cx="5819192" cy="4581330"/>
+            <a:off x="6438122" y="2248839"/>
+            <a:ext cx="5660572" cy="4313506"/>
           </a:xfrm>
           <a:prstGeom prst="rect">
             <a:avLst/>
@@ -13624,38 +14032,37 @@
       </p:pic>
       <p:pic>
         <p:nvPicPr>
-          <p:cNvPr id="11" name="圖片 10">
+          <p:cNvPr id="15" name="內容版面配置區 14">
             <a:extLst>
               <a:ext uri="{FF2B5EF4-FFF2-40B4-BE49-F238E27FC236}">
-                <a16:creationId xmlns:a16="http://schemas.microsoft.com/office/drawing/2014/main" id="{05B832E8-596B-C45F-5FB2-BF6E4F1ED9A9}"/>
+                <a16:creationId xmlns:a16="http://schemas.microsoft.com/office/drawing/2014/main" id="{02EF4AFC-8B91-822F-4BCE-95AC6A5CD16E}"/>
               </a:ext>
             </a:extLst>
           </p:cNvPr>
           <p:cNvPicPr>
-            <a:picLocks noChangeAspect="1"/>
+            <a:picLocks noGrp="1" noChangeAspect="1"/>
           </p:cNvPicPr>
-          <p:nvPr/>
+          <p:nvPr>
+            <p:ph idx="1"/>
+          </p:nvPr>
         </p:nvPicPr>
         <p:blipFill>
-          <a:blip r:embed="rId5"/>
+          <a:blip r:embed="rId4"/>
           <a:stretch>
             <a:fillRect/>
           </a:stretch>
         </p:blipFill>
         <p:spPr>
           <a:xfrm>
-            <a:off x="151280" y="2255245"/>
-            <a:ext cx="5944720" cy="4258203"/>
+            <a:off x="334013" y="2371790"/>
+            <a:ext cx="5652627" cy="4190555"/>
           </a:xfrm>
-          <a:prstGeom prst="rect">
-            <a:avLst/>
-          </a:prstGeom>
         </p:spPr>
       </p:pic>
     </p:spTree>
     <p:extLst>
       <p:ext uri="{BB962C8B-B14F-4D97-AF65-F5344CB8AC3E}">
-        <p14:creationId xmlns:p14="http://schemas.microsoft.com/office/powerpoint/2010/main" val="1905159342"/>
+        <p14:creationId xmlns:p14="http://schemas.microsoft.com/office/powerpoint/2010/main" val="160740078"/>
       </p:ext>
     </p:extLst>
   </p:cSld>
